--- a/Plakat.pptx
+++ b/Plakat.pptx
@@ -3432,14 +3432,14 @@
           </a:ln>
           <a:extLst>
             <a:ext uri="{909E8E84-426E-40dd-AFC4-6F175D3DCCD1}">
-              <a14:hiddenFill xmlns:a14="http://schemas.microsoft.com/office/drawing/2010/main" xmlns="">
+              <a14:hiddenFill xmlns="" xmlns:a14="http://schemas.microsoft.com/office/drawing/2010/main">
                 <a:solidFill>
                   <a:srgbClr val="FFFFFF"/>
                 </a:solidFill>
               </a14:hiddenFill>
             </a:ext>
             <a:ext uri="{91240B29-F687-4f45-9708-019B960494DF}">
-              <a14:hiddenLine xmlns:a14="http://schemas.microsoft.com/office/drawing/2010/main" xmlns="" w="9525">
+              <a14:hiddenLine xmlns="" xmlns:a14="http://schemas.microsoft.com/office/drawing/2010/main" w="9525">
                 <a:solidFill>
                   <a:srgbClr val="000000"/>
                 </a:solidFill>
@@ -3581,7 +3581,7 @@
                 <a:latin typeface="Calibri"/>
                 <a:cs typeface="Calibri"/>
               </a:rPr>
-              <a:t>IT &amp; Mobile Security</a:t>
+              <a:t>IMS21</a:t>
             </a:r>
           </a:p>
           <a:p>

--- a/Plakat.pptx
+++ b/Plakat.pptx
@@ -3385,16 +3385,6 @@
             </a:pPr>
             <a:r>
               <a:rPr lang="en-US" dirty="0"/>
-              <a:t>Trained by the NSL-KDD Dataset</a:t>
-            </a:r>
-          </a:p>
-          <a:p>
-            <a:pPr marL="457200" indent="-457200" algn="l">
-              <a:buFont typeface="Arial" panose="020B0604020202020204" pitchFamily="34" charset="0"/>
-              <a:buChar char="•"/>
-            </a:pPr>
-            <a:r>
-              <a:rPr lang="en-US" dirty="0"/>
               <a:t>116 parameters used for classification</a:t>
             </a:r>
           </a:p>
@@ -3432,14 +3422,14 @@
           </a:ln>
           <a:extLst>
             <a:ext uri="{909E8E84-426E-40dd-AFC4-6F175D3DCCD1}">
-              <a14:hiddenFill xmlns="" xmlns:a14="http://schemas.microsoft.com/office/drawing/2010/main">
+              <a14:hiddenFill xmlns:a14="http://schemas.microsoft.com/office/drawing/2010/main" xmlns="">
                 <a:solidFill>
                   <a:srgbClr val="FFFFFF"/>
                 </a:solidFill>
               </a14:hiddenFill>
             </a:ext>
             <a:ext uri="{91240B29-F687-4f45-9708-019B960494DF}">
-              <a14:hiddenLine xmlns="" xmlns:a14="http://schemas.microsoft.com/office/drawing/2010/main" w="9525">
+              <a14:hiddenLine xmlns:a14="http://schemas.microsoft.com/office/drawing/2010/main" xmlns="" w="9525">
                 <a:solidFill>
                   <a:srgbClr val="000000"/>
                 </a:solidFill>

--- a/Plakat.pptx
+++ b/Plakat.pptx
@@ -323,7 +323,7 @@
           <a:p>
             <a:fld id="{E5C086E0-3DD6-DA4C-9E15-8E9A07CD16ED}" type="datetimeFigureOut">
               <a:rPr lang="de-DE" smtClean="0"/>
-              <a:t>27.02.2023</a:t>
+              <a:t>28.02.2023</a:t>
             </a:fld>
             <a:endParaRPr lang="de-DE"/>
           </a:p>
@@ -533,7 +533,7 @@
           <a:p>
             <a:fld id="{E5C086E0-3DD6-DA4C-9E15-8E9A07CD16ED}" type="datetimeFigureOut">
               <a:rPr lang="de-DE" smtClean="0"/>
-              <a:t>27.02.2023</a:t>
+              <a:t>28.02.2023</a:t>
             </a:fld>
             <a:endParaRPr lang="de-DE"/>
           </a:p>
@@ -743,7 +743,7 @@
           <a:p>
             <a:fld id="{E5C086E0-3DD6-DA4C-9E15-8E9A07CD16ED}" type="datetimeFigureOut">
               <a:rPr lang="de-DE" smtClean="0"/>
-              <a:t>27.02.2023</a:t>
+              <a:t>28.02.2023</a:t>
             </a:fld>
             <a:endParaRPr lang="de-DE"/>
           </a:p>
@@ -953,7 +953,7 @@
           <a:p>
             <a:fld id="{E5C086E0-3DD6-DA4C-9E15-8E9A07CD16ED}" type="datetimeFigureOut">
               <a:rPr lang="de-DE" smtClean="0"/>
-              <a:t>27.02.2023</a:t>
+              <a:t>28.02.2023</a:t>
             </a:fld>
             <a:endParaRPr lang="de-DE"/>
           </a:p>
@@ -1229,7 +1229,7 @@
           <a:p>
             <a:fld id="{E5C086E0-3DD6-DA4C-9E15-8E9A07CD16ED}" type="datetimeFigureOut">
               <a:rPr lang="de-DE" smtClean="0"/>
-              <a:t>27.02.2023</a:t>
+              <a:t>28.02.2023</a:t>
             </a:fld>
             <a:endParaRPr lang="de-DE"/>
           </a:p>
@@ -1555,7 +1555,7 @@
           <a:p>
             <a:fld id="{E5C086E0-3DD6-DA4C-9E15-8E9A07CD16ED}" type="datetimeFigureOut">
               <a:rPr lang="de-DE" smtClean="0"/>
-              <a:t>27.02.2023</a:t>
+              <a:t>28.02.2023</a:t>
             </a:fld>
             <a:endParaRPr lang="de-DE"/>
           </a:p>
@@ -2021,7 +2021,7 @@
           <a:p>
             <a:fld id="{E5C086E0-3DD6-DA4C-9E15-8E9A07CD16ED}" type="datetimeFigureOut">
               <a:rPr lang="de-DE" smtClean="0"/>
-              <a:t>27.02.2023</a:t>
+              <a:t>28.02.2023</a:t>
             </a:fld>
             <a:endParaRPr lang="de-DE"/>
           </a:p>
@@ -2171,7 +2171,7 @@
           <a:p>
             <a:fld id="{E5C086E0-3DD6-DA4C-9E15-8E9A07CD16ED}" type="datetimeFigureOut">
               <a:rPr lang="de-DE" smtClean="0"/>
-              <a:t>27.02.2023</a:t>
+              <a:t>28.02.2023</a:t>
             </a:fld>
             <a:endParaRPr lang="de-DE"/>
           </a:p>
@@ -2290,7 +2290,7 @@
           <a:p>
             <a:fld id="{E5C086E0-3DD6-DA4C-9E15-8E9A07CD16ED}" type="datetimeFigureOut">
               <a:rPr lang="de-DE" smtClean="0"/>
-              <a:t>27.02.2023</a:t>
+              <a:t>28.02.2023</a:t>
             </a:fld>
             <a:endParaRPr lang="de-DE"/>
           </a:p>
@@ -2600,7 +2600,7 @@
           <a:p>
             <a:fld id="{E5C086E0-3DD6-DA4C-9E15-8E9A07CD16ED}" type="datetimeFigureOut">
               <a:rPr lang="de-DE" smtClean="0"/>
-              <a:t>27.02.2023</a:t>
+              <a:t>28.02.2023</a:t>
             </a:fld>
             <a:endParaRPr lang="de-DE"/>
           </a:p>
@@ -2886,7 +2886,7 @@
           <a:p>
             <a:fld id="{E5C086E0-3DD6-DA4C-9E15-8E9A07CD16ED}" type="datetimeFigureOut">
               <a:rPr lang="de-DE" smtClean="0"/>
-              <a:t>27.02.2023</a:t>
+              <a:t>28.02.2023</a:t>
             </a:fld>
             <a:endParaRPr lang="de-DE"/>
           </a:p>
@@ -3385,7 +3385,21 @@
             </a:pPr>
             <a:r>
               <a:rPr lang="en-US" dirty="0"/>
-              <a:t>116 parameters used for classification</a:t>
+              <a:t>Trained with the NSL-KDD dataset</a:t>
+            </a:r>
+          </a:p>
+          <a:p>
+            <a:pPr marL="457200" indent="-457200" algn="l">
+              <a:buFont typeface="Arial" panose="020B0604020202020204" pitchFamily="34" charset="0"/>
+              <a:buChar char="•"/>
+            </a:pPr>
+            <a:r>
+              <a:rPr lang="en-US"/>
+              <a:t>117 </a:t>
+            </a:r>
+            <a:r>
+              <a:rPr lang="en-US" dirty="0"/>
+              <a:t>parameters used for classification</a:t>
             </a:r>
           </a:p>
           <a:p>
